--- a/F03_single_pole/STM32实战——spwm开环单极性调制.pptx
+++ b/F03_single_pole/STM32实战——spwm开环单极性调制.pptx
@@ -12,6 +12,7 @@
     <p:sldId id="258" r:id="rId6"/>
     <p:sldId id="259" r:id="rId7"/>
     <p:sldId id="260" r:id="rId8"/>
+    <p:sldId id="263" r:id="rId9"/>
   </p:sldIdLst>
   <p:sldSz cx="12192000" cy="6858000"/>
   <p:notesSz cx="6858000" cy="9144000"/>
@@ -265,7 +266,7 @@
           <a:p>
             <a:fld id="{6F17C1E0-AFC9-4496-A862-8C728EF6B431}" type="datetimeFigureOut">
               <a:rPr lang="zh-CN" altLang="en-US" smtClean="0"/>
-              <a:t>2020/3/27</a:t>
+              <a:t>2020/3/29</a:t>
             </a:fld>
             <a:endParaRPr lang="zh-CN" altLang="en-US"/>
           </a:p>
@@ -463,7 +464,7 @@
           <a:p>
             <a:fld id="{6F17C1E0-AFC9-4496-A862-8C728EF6B431}" type="datetimeFigureOut">
               <a:rPr lang="zh-CN" altLang="en-US" smtClean="0"/>
-              <a:t>2020/3/27</a:t>
+              <a:t>2020/3/29</a:t>
             </a:fld>
             <a:endParaRPr lang="zh-CN" altLang="en-US"/>
           </a:p>
@@ -671,7 +672,7 @@
           <a:p>
             <a:fld id="{6F17C1E0-AFC9-4496-A862-8C728EF6B431}" type="datetimeFigureOut">
               <a:rPr lang="zh-CN" altLang="en-US" smtClean="0"/>
-              <a:t>2020/3/27</a:t>
+              <a:t>2020/3/29</a:t>
             </a:fld>
             <a:endParaRPr lang="zh-CN" altLang="en-US"/>
           </a:p>
@@ -869,7 +870,7 @@
           <a:p>
             <a:fld id="{6F17C1E0-AFC9-4496-A862-8C728EF6B431}" type="datetimeFigureOut">
               <a:rPr lang="zh-CN" altLang="en-US" smtClean="0"/>
-              <a:t>2020/3/27</a:t>
+              <a:t>2020/3/29</a:t>
             </a:fld>
             <a:endParaRPr lang="zh-CN" altLang="en-US"/>
           </a:p>
@@ -1144,7 +1145,7 @@
           <a:p>
             <a:fld id="{6F17C1E0-AFC9-4496-A862-8C728EF6B431}" type="datetimeFigureOut">
               <a:rPr lang="zh-CN" altLang="en-US" smtClean="0"/>
-              <a:t>2020/3/27</a:t>
+              <a:t>2020/3/29</a:t>
             </a:fld>
             <a:endParaRPr lang="zh-CN" altLang="en-US"/>
           </a:p>
@@ -1409,7 +1410,7 @@
           <a:p>
             <a:fld id="{6F17C1E0-AFC9-4496-A862-8C728EF6B431}" type="datetimeFigureOut">
               <a:rPr lang="zh-CN" altLang="en-US" smtClean="0"/>
-              <a:t>2020/3/27</a:t>
+              <a:t>2020/3/29</a:t>
             </a:fld>
             <a:endParaRPr lang="zh-CN" altLang="en-US"/>
           </a:p>
@@ -1821,7 +1822,7 @@
           <a:p>
             <a:fld id="{6F17C1E0-AFC9-4496-A862-8C728EF6B431}" type="datetimeFigureOut">
               <a:rPr lang="zh-CN" altLang="en-US" smtClean="0"/>
-              <a:t>2020/3/27</a:t>
+              <a:t>2020/3/29</a:t>
             </a:fld>
             <a:endParaRPr lang="zh-CN" altLang="en-US"/>
           </a:p>
@@ -1962,7 +1963,7 @@
           <a:p>
             <a:fld id="{6F17C1E0-AFC9-4496-A862-8C728EF6B431}" type="datetimeFigureOut">
               <a:rPr lang="zh-CN" altLang="en-US" smtClean="0"/>
-              <a:t>2020/3/27</a:t>
+              <a:t>2020/3/29</a:t>
             </a:fld>
             <a:endParaRPr lang="zh-CN" altLang="en-US"/>
           </a:p>
@@ -2075,7 +2076,7 @@
           <a:p>
             <a:fld id="{6F17C1E0-AFC9-4496-A862-8C728EF6B431}" type="datetimeFigureOut">
               <a:rPr lang="zh-CN" altLang="en-US" smtClean="0"/>
-              <a:t>2020/3/27</a:t>
+              <a:t>2020/3/29</a:t>
             </a:fld>
             <a:endParaRPr lang="zh-CN" altLang="en-US"/>
           </a:p>
@@ -2386,7 +2387,7 @@
           <a:p>
             <a:fld id="{6F17C1E0-AFC9-4496-A862-8C728EF6B431}" type="datetimeFigureOut">
               <a:rPr lang="zh-CN" altLang="en-US" smtClean="0"/>
-              <a:t>2020/3/27</a:t>
+              <a:t>2020/3/29</a:t>
             </a:fld>
             <a:endParaRPr lang="zh-CN" altLang="en-US"/>
           </a:p>
@@ -2674,7 +2675,7 @@
           <a:p>
             <a:fld id="{6F17C1E0-AFC9-4496-A862-8C728EF6B431}" type="datetimeFigureOut">
               <a:rPr lang="zh-CN" altLang="en-US" smtClean="0"/>
-              <a:t>2020/3/27</a:t>
+              <a:t>2020/3/29</a:t>
             </a:fld>
             <a:endParaRPr lang="zh-CN" altLang="en-US"/>
           </a:p>
@@ -2915,7 +2916,7 @@
           <a:p>
             <a:fld id="{6F17C1E0-AFC9-4496-A862-8C728EF6B431}" type="datetimeFigureOut">
               <a:rPr lang="zh-CN" altLang="en-US" smtClean="0"/>
-              <a:t>2020/3/27</a:t>
+              <a:t>2020/3/29</a:t>
             </a:fld>
             <a:endParaRPr lang="zh-CN" altLang="en-US"/>
           </a:p>
@@ -3471,7 +3472,7 @@
                 <a:latin typeface="宋体" panose="02010600030101010101" pitchFamily="2" charset="-122"/>
                 <a:ea typeface="宋体" panose="02010600030101010101" pitchFamily="2" charset="-122"/>
               </a:rPr>
-              <a:t>2020/3/25</a:t>
+              <a:t>2020/3/29</a:t>
             </a:r>
             <a:endParaRPr lang="zh-CN" altLang="en-US" sz="2000" dirty="0">
               <a:latin typeface="宋体" panose="02010600030101010101" pitchFamily="2" charset="-122"/>
@@ -4446,6 +4447,78 @@
               </a:rPr>
               <a:t>全桥结构</a:t>
             </a:r>
+          </a:p>
+        </p:txBody>
+      </p:sp>
+      <p:sp>
+        <p:nvSpPr>
+          <p:cNvPr id="2" name="矩形 1">
+            <a:extLst>
+              <a:ext uri="{FF2B5EF4-FFF2-40B4-BE49-F238E27FC236}">
+                <a16:creationId xmlns:a16="http://schemas.microsoft.com/office/drawing/2014/main" id="{793F4291-DE82-45D5-807C-690137E7A760}"/>
+              </a:ext>
+            </a:extLst>
+          </p:cNvPr>
+          <p:cNvSpPr/>
+          <p:nvPr/>
+        </p:nvSpPr>
+        <p:spPr>
+          <a:xfrm>
+            <a:off x="3112481" y="2671322"/>
+            <a:ext cx="3995671" cy="1200329"/>
+          </a:xfrm>
+          <a:prstGeom prst="rect">
+            <a:avLst/>
+          </a:prstGeom>
+        </p:spPr>
+        <p:txBody>
+          <a:bodyPr wrap="square">
+            <a:spAutoFit/>
+          </a:bodyPr>
+          <a:lstStyle/>
+          <a:p>
+            <a:r>
+              <a:rPr lang="zh-CN" altLang="en-US" sz="2400" dirty="0">
+                <a:solidFill>
+                  <a:srgbClr val="222222"/>
+                </a:solidFill>
+                <a:latin typeface="Microsoft YaHei" panose="020B0503020204020204" pitchFamily="34" charset="-122"/>
+                <a:ea typeface="Microsoft YaHei" panose="020B0503020204020204" pitchFamily="34" charset="-122"/>
+              </a:rPr>
+              <a:t>逆变器的原理可以看</a:t>
+            </a:r>
+            <a:r>
+              <a:rPr lang="en-US" altLang="zh-CN" sz="2400" dirty="0" err="1">
+                <a:solidFill>
+                  <a:srgbClr val="222222"/>
+                </a:solidFill>
+                <a:latin typeface="Microsoft YaHei" panose="020B0503020204020204" pitchFamily="34" charset="-122"/>
+                <a:ea typeface="Microsoft YaHei" panose="020B0503020204020204" pitchFamily="34" charset="-122"/>
+              </a:rPr>
+              <a:t>Mec_Mon</a:t>
+            </a:r>
+            <a:r>
+              <a:rPr lang="zh-CN" altLang="en-US" sz="2400" dirty="0">
+                <a:solidFill>
+                  <a:srgbClr val="222222"/>
+                </a:solidFill>
+                <a:latin typeface="Microsoft YaHei" panose="020B0503020204020204" pitchFamily="34" charset="-122"/>
+                <a:ea typeface="Microsoft YaHei" panose="020B0503020204020204" pitchFamily="34" charset="-122"/>
+              </a:rPr>
+              <a:t>大佬的视频</a:t>
+            </a:r>
+            <a:r>
+              <a:rPr lang="en-US" altLang="zh-CN" sz="2400" dirty="0">
+                <a:solidFill>
+                  <a:srgbClr val="00A1D6"/>
+                </a:solidFill>
+                <a:latin typeface="Microsoft YaHei" panose="020B0503020204020204" pitchFamily="34" charset="-122"/>
+                <a:ea typeface="Microsoft YaHei" panose="020B0503020204020204" pitchFamily="34" charset="-122"/>
+                <a:hlinkClick r:id="rId4"/>
+              </a:rPr>
+              <a:t>BV1vb41147eS</a:t>
+            </a:r>
+            <a:endParaRPr lang="zh-CN" altLang="en-US" sz="2400" dirty="0"/>
           </a:p>
         </p:txBody>
       </p:sp>
@@ -4818,6 +4891,51 @@
                       </p:childTnLst>
                     </p:cTn>
                   </p:par>
+                  <p:par>
+                    <p:cTn id="33" fill="hold">
+                      <p:stCondLst>
+                        <p:cond delay="indefinite"/>
+                      </p:stCondLst>
+                      <p:childTnLst>
+                        <p:par>
+                          <p:cTn id="34" fill="hold">
+                            <p:stCondLst>
+                              <p:cond delay="0"/>
+                            </p:stCondLst>
+                            <p:childTnLst>
+                              <p:par>
+                                <p:cTn id="35" presetID="1" presetClass="entr" presetSubtype="0" fill="hold" grpId="0" nodeType="clickEffect">
+                                  <p:stCondLst>
+                                    <p:cond delay="0"/>
+                                  </p:stCondLst>
+                                  <p:childTnLst>
+                                    <p:set>
+                                      <p:cBhvr>
+                                        <p:cTn id="36" dur="1" fill="hold">
+                                          <p:stCondLst>
+                                            <p:cond delay="0"/>
+                                          </p:stCondLst>
+                                        </p:cTn>
+                                        <p:tgtEl>
+                                          <p:spTgt spid="2"/>
+                                        </p:tgtEl>
+                                        <p:attrNameLst>
+                                          <p:attrName>style.visibility</p:attrName>
+                                        </p:attrNameLst>
+                                      </p:cBhvr>
+                                      <p:to>
+                                        <p:strVal val="visible"/>
+                                      </p:to>
+                                    </p:set>
+                                  </p:childTnLst>
+                                </p:cTn>
+                              </p:par>
+                            </p:childTnLst>
+                          </p:cTn>
+                        </p:par>
+                      </p:childTnLst>
+                    </p:cTn>
+                  </p:par>
                 </p:childTnLst>
               </p:cTn>
               <p:prevCondLst>
@@ -4847,6 +4965,7 @@
       <p:bldP spid="8" grpId="0" animBg="1"/>
       <p:bldP spid="14" grpId="0"/>
       <p:bldP spid="15" grpId="0"/>
+      <p:bldP spid="2" grpId="0"/>
     </p:bldLst>
   </p:timing>
 </p:sld>
@@ -6398,8 +6517,8 @@
           </p:sp>
         </mc:Fallback>
       </mc:AlternateContent>
-      <mc:AlternateContent xmlns:mc="http://schemas.openxmlformats.org/markup-compatibility/2006" xmlns:a14="http://schemas.microsoft.com/office/drawing/2010/main">
-        <mc:Choice Requires="a14">
+      <mc:AlternateContent xmlns:mc="http://schemas.openxmlformats.org/markup-compatibility/2006">
+        <mc:Choice xmlns:a14="http://schemas.microsoft.com/office/drawing/2010/main" Requires="a14">
           <p:sp>
             <p:nvSpPr>
               <p:cNvPr id="7" name="矩形 6">
@@ -6523,12 +6642,31 @@
                                     </a:rPr>
                                     <m:t>𝜔</m:t>
                                   </m:r>
-                                  <m:r>
-                                    <a:rPr lang="en-US" altLang="zh-CN" sz="2800" i="1" dirty="0">
-                                      <a:latin typeface="Cambria Math" panose="02040503050406030204" pitchFamily="18" charset="0"/>
-                                    </a:rPr>
-                                    <m:t>𝑇</m:t>
-                                  </m:r>
+                                  <m:sSub>
+                                    <m:sSubPr>
+                                      <m:ctrlPr>
+                                        <a:rPr lang="en-US" altLang="zh-CN" sz="2800" i="1" dirty="0" smtClean="0">
+                                          <a:latin typeface="Cambria Math" panose="02040503050406030204" pitchFamily="18" charset="0"/>
+                                        </a:rPr>
+                                      </m:ctrlPr>
+                                    </m:sSubPr>
+                                    <m:e>
+                                      <m:r>
+                                        <a:rPr lang="en-US" altLang="zh-CN" sz="2800" b="0" i="1" dirty="0" smtClean="0">
+                                          <a:latin typeface="Cambria Math" panose="02040503050406030204" pitchFamily="18" charset="0"/>
+                                        </a:rPr>
+                                        <m:t>𝑇</m:t>
+                                      </m:r>
+                                    </m:e>
+                                    <m:sub>
+                                      <m:r>
+                                        <a:rPr lang="en-US" altLang="zh-CN" sz="2800" b="0" i="1" dirty="0" smtClean="0">
+                                          <a:latin typeface="Cambria Math" panose="02040503050406030204" pitchFamily="18" charset="0"/>
+                                        </a:rPr>
+                                        <m:t>0</m:t>
+                                      </m:r>
+                                    </m:sub>
+                                  </m:sSub>
                                 </m:e>
                               </m:d>
                             </m:e>
@@ -6599,12 +6737,31 @@
                                     </a:rPr>
                                     <m:t>𝜔</m:t>
                                   </m:r>
-                                  <m:r>
-                                    <a:rPr lang="en-US" altLang="zh-CN" sz="2800" i="1" dirty="0">
-                                      <a:latin typeface="Cambria Math" panose="02040503050406030204" pitchFamily="18" charset="0"/>
-                                    </a:rPr>
-                                    <m:t>𝑇</m:t>
-                                  </m:r>
+                                  <m:sSub>
+                                    <m:sSubPr>
+                                      <m:ctrlPr>
+                                        <a:rPr lang="en-US" altLang="zh-CN" sz="2800" i="1" dirty="0" smtClean="0">
+                                          <a:latin typeface="Cambria Math" panose="02040503050406030204" pitchFamily="18" charset="0"/>
+                                        </a:rPr>
+                                      </m:ctrlPr>
+                                    </m:sSubPr>
+                                    <m:e>
+                                      <m:r>
+                                        <a:rPr lang="en-US" altLang="zh-CN" sz="2800" b="0" i="1" dirty="0" smtClean="0">
+                                          <a:latin typeface="Cambria Math" panose="02040503050406030204" pitchFamily="18" charset="0"/>
+                                        </a:rPr>
+                                        <m:t>𝑇</m:t>
+                                      </m:r>
+                                    </m:e>
+                                    <m:sub>
+                                      <m:r>
+                                        <a:rPr lang="en-US" altLang="zh-CN" sz="2800" b="0" i="1" dirty="0" smtClean="0">
+                                          <a:latin typeface="Cambria Math" panose="02040503050406030204" pitchFamily="18" charset="0"/>
+                                        </a:rPr>
+                                        <m:t>0</m:t>
+                                      </m:r>
+                                    </m:sub>
+                                  </m:sSub>
                                 </m:e>
                               </m:d>
                             </m:e>
@@ -6708,12 +6865,31 @@
                                 </a:rPr>
                                 <m:t>𝜔</m:t>
                               </m:r>
-                              <m:r>
-                                <a:rPr lang="en-US" altLang="zh-CN" sz="2800" i="1" dirty="0">
-                                  <a:latin typeface="Cambria Math" panose="02040503050406030204" pitchFamily="18" charset="0"/>
-                                </a:rPr>
-                                <m:t>𝑇</m:t>
-                              </m:r>
+                              <m:sSub>
+                                <m:sSubPr>
+                                  <m:ctrlPr>
+                                    <a:rPr lang="en-US" altLang="zh-CN" sz="2800" i="1" dirty="0" smtClean="0">
+                                      <a:latin typeface="Cambria Math" panose="02040503050406030204" pitchFamily="18" charset="0"/>
+                                    </a:rPr>
+                                  </m:ctrlPr>
+                                </m:sSubPr>
+                                <m:e>
+                                  <m:r>
+                                    <a:rPr lang="en-US" altLang="zh-CN" sz="2800" b="0" i="1" dirty="0" smtClean="0">
+                                      <a:latin typeface="Cambria Math" panose="02040503050406030204" pitchFamily="18" charset="0"/>
+                                    </a:rPr>
+                                    <m:t>𝑇</m:t>
+                                  </m:r>
+                                </m:e>
+                                <m:sub>
+                                  <m:r>
+                                    <a:rPr lang="en-US" altLang="zh-CN" sz="2800" b="0" i="1" dirty="0" smtClean="0">
+                                      <a:latin typeface="Cambria Math" panose="02040503050406030204" pitchFamily="18" charset="0"/>
+                                    </a:rPr>
+                                    <m:t>0</m:t>
+                                  </m:r>
+                                </m:sub>
+                              </m:sSub>
                             </m:e>
                           </m:d>
                         </m:e>
@@ -6777,12 +6953,31 @@
                             </a:rPr>
                             <m:t>𝜔</m:t>
                           </m:r>
-                          <m:r>
-                            <a:rPr lang="en-US" altLang="zh-CN" sz="2800" i="1" dirty="0">
-                              <a:latin typeface="Cambria Math" panose="02040503050406030204" pitchFamily="18" charset="0"/>
-                            </a:rPr>
-                            <m:t>𝑇</m:t>
-                          </m:r>
+                          <m:sSub>
+                            <m:sSubPr>
+                              <m:ctrlPr>
+                                <a:rPr lang="en-US" altLang="zh-CN" sz="2800" i="1" dirty="0" smtClean="0">
+                                  <a:latin typeface="Cambria Math" panose="02040503050406030204" pitchFamily="18" charset="0"/>
+                                </a:rPr>
+                              </m:ctrlPr>
+                            </m:sSubPr>
+                            <m:e>
+                              <m:r>
+                                <a:rPr lang="en-US" altLang="zh-CN" sz="2800" b="0" i="1" dirty="0" smtClean="0">
+                                  <a:latin typeface="Cambria Math" panose="02040503050406030204" pitchFamily="18" charset="0"/>
+                                </a:rPr>
+                                <m:t>𝑇</m:t>
+                              </m:r>
+                            </m:e>
+                            <m:sub>
+                              <m:r>
+                                <a:rPr lang="en-US" altLang="zh-CN" sz="2800" b="0" i="1" dirty="0" smtClean="0">
+                                  <a:latin typeface="Cambria Math" panose="02040503050406030204" pitchFamily="18" charset="0"/>
+                                </a:rPr>
+                                <m:t>0</m:t>
+                              </m:r>
+                            </m:sub>
+                          </m:sSub>
                         </m:num>
                         <m:den>
                           <m:r>
@@ -6809,7 +7004,7 @@
             </p:txBody>
           </p:sp>
         </mc:Choice>
-        <mc:Fallback xmlns="">
+        <mc:Fallback>
           <p:sp>
             <p:nvSpPr>
               <p:cNvPr id="7" name="矩形 6">
@@ -7124,8 +7319,8 @@
           </a:p>
         </p:txBody>
       </p:sp>
-      <mc:AlternateContent xmlns:mc="http://schemas.openxmlformats.org/markup-compatibility/2006" xmlns:a14="http://schemas.microsoft.com/office/drawing/2010/main">
-        <mc:Choice Requires="a14">
+      <mc:AlternateContent xmlns:mc="http://schemas.openxmlformats.org/markup-compatibility/2006">
+        <mc:Choice xmlns:a14="http://schemas.microsoft.com/office/drawing/2010/main" Requires="a14">
           <p:sp>
             <p:nvSpPr>
               <p:cNvPr id="11" name="文本框 10">
@@ -7302,7 +7497,7 @@
                                 <a:rPr lang="en-US" altLang="zh-CN" sz="3200" b="0" i="1" smtClean="0">
                                   <a:latin typeface="Cambria Math" panose="02040503050406030204" pitchFamily="18" charset="0"/>
                                 </a:rPr>
-                                <m:t>1</m:t>
+                                <m:t>0</m:t>
                               </m:r>
                             </m:sub>
                           </m:sSub>
@@ -7372,7 +7567,7 @@
                                 <a:rPr lang="en-US" altLang="zh-CN" sz="3200" b="0" i="1" dirty="0" smtClean="0">
                                   <a:latin typeface="Cambria Math" panose="02040503050406030204" pitchFamily="18" charset="0"/>
                                 </a:rPr>
-                                <m:t>1</m:t>
+                                <m:t>0</m:t>
                               </m:r>
                             </m:sub>
                           </m:sSub>
@@ -7549,7 +7744,7 @@
             </p:txBody>
           </p:sp>
         </mc:Choice>
-        <mc:Fallback xmlns="">
+        <mc:Fallback>
           <p:sp>
             <p:nvSpPr>
               <p:cNvPr id="11" name="文本框 10">
@@ -8104,8 +8299,8 @@
           </a:p>
         </p:txBody>
       </p:sp>
-      <mc:AlternateContent xmlns:mc="http://schemas.openxmlformats.org/markup-compatibility/2006">
-        <mc:Choice xmlns:a14="http://schemas.microsoft.com/office/drawing/2010/main" Requires="a14">
+      <mc:AlternateContent xmlns:mc="http://schemas.openxmlformats.org/markup-compatibility/2006" xmlns:a14="http://schemas.microsoft.com/office/drawing/2010/main">
+        <mc:Choice Requires="a14">
           <p:sp>
             <p:nvSpPr>
               <p:cNvPr id="5" name="文本框 4">
@@ -8274,7 +8469,9 @@
                       <m:t>Hz</m:t>
                     </m:r>
                     <m:r>
-                      <a:rPr lang="en-US" altLang="zh-CN" sz="2800" i="1" dirty="0"/>
+                      <a:rPr lang="en-US" altLang="zh-CN" sz="2800" i="1" dirty="0">
+                        <a:latin typeface="Cambria Math" panose="02040503050406030204" pitchFamily="18" charset="0"/>
+                      </a:rPr>
                       <m:t> </m:t>
                     </m:r>
                   </m:oMath>
@@ -8352,13 +8549,7 @@
                       <a:rPr lang="en-US" altLang="zh-CN" sz="2800" b="0" i="1" smtClean="0">
                         <a:latin typeface="Cambria Math" panose="02040503050406030204" pitchFamily="18" charset="0"/>
                       </a:rPr>
-                      <m:t>=</m:t>
-                    </m:r>
-                    <m:r>
-                      <a:rPr lang="en-US" altLang="zh-CN" sz="2800" b="0" i="1" smtClean="0">
-                        <a:latin typeface="Cambria Math" panose="02040503050406030204" pitchFamily="18" charset="0"/>
-                      </a:rPr>
-                      <m:t>2000</m:t>
+                      <m:t>=2000</m:t>
                     </m:r>
                     <m:r>
                       <a:rPr lang="zh-CN" altLang="en-US" sz="2800" b="0" i="1" smtClean="0">
@@ -8373,7 +8564,7 @@
             </p:txBody>
           </p:sp>
         </mc:Choice>
-        <mc:Fallback>
+        <mc:Fallback xmlns="">
           <p:sp>
             <p:nvSpPr>
               <p:cNvPr id="5" name="文本框 4">
@@ -8435,7 +8626,7 @@
             <p:spPr>
               <a:xfrm>
                 <a:off x="255906" y="2451681"/>
-                <a:ext cx="11440568" cy="977319"/>
+                <a:ext cx="11892999" cy="977319"/>
               </a:xfrm>
               <a:prstGeom prst="rect">
                 <a:avLst/>
@@ -8514,7 +8705,7 @@
                                 <a:rPr lang="en-US" altLang="zh-CN" sz="2800" b="0" i="1" dirty="0" smtClean="0">
                                   <a:latin typeface="Cambria Math" panose="02040503050406030204" pitchFamily="18" charset="0"/>
                                 </a:rPr>
-                                <m:t>1</m:t>
+                                <m:t>0</m:t>
                               </m:r>
                             </m:sub>
                           </m:sSub>
@@ -8592,12 +8783,31 @@
                                 </a:rPr>
                                 <m:t>𝜔</m:t>
                               </m:r>
-                              <m:r>
-                                <a:rPr lang="en-US" altLang="zh-CN" sz="2800" i="1" dirty="0">
-                                  <a:latin typeface="Cambria Math" panose="02040503050406030204" pitchFamily="18" charset="0"/>
-                                </a:rPr>
-                                <m:t>𝑇</m:t>
-                              </m:r>
+                              <m:sSub>
+                                <m:sSubPr>
+                                  <m:ctrlPr>
+                                    <a:rPr lang="en-US" altLang="zh-CN" sz="2800" i="1" dirty="0" smtClean="0">
+                                      <a:latin typeface="Cambria Math" panose="02040503050406030204" pitchFamily="18" charset="0"/>
+                                    </a:rPr>
+                                  </m:ctrlPr>
+                                </m:sSubPr>
+                                <m:e>
+                                  <m:r>
+                                    <a:rPr lang="en-US" altLang="zh-CN" sz="2800" b="0" i="1" dirty="0" smtClean="0">
+                                      <a:latin typeface="Cambria Math" panose="02040503050406030204" pitchFamily="18" charset="0"/>
+                                    </a:rPr>
+                                    <m:t>𝑇</m:t>
+                                  </m:r>
+                                </m:e>
+                                <m:sub>
+                                  <m:r>
+                                    <a:rPr lang="en-US" altLang="zh-CN" sz="2800" b="0" i="1" dirty="0" smtClean="0">
+                                      <a:latin typeface="Cambria Math" panose="02040503050406030204" pitchFamily="18" charset="0"/>
+                                    </a:rPr>
+                                    <m:t>0</m:t>
+                                  </m:r>
+                                </m:sub>
+                              </m:sSub>
                             </m:e>
                           </m:d>
                         </m:e>
@@ -8675,12 +8885,31 @@
                                     </a:rPr>
                                     <m:t>𝜔</m:t>
                                   </m:r>
-                                  <m:r>
-                                    <a:rPr lang="en-US" altLang="zh-CN" sz="2800" i="1" dirty="0">
-                                      <a:latin typeface="Cambria Math" panose="02040503050406030204" pitchFamily="18" charset="0"/>
-                                    </a:rPr>
-                                    <m:t>𝑇</m:t>
-                                  </m:r>
+                                  <m:sSub>
+                                    <m:sSubPr>
+                                      <m:ctrlPr>
+                                        <a:rPr lang="en-US" altLang="zh-CN" sz="2800" i="1" dirty="0" smtClean="0">
+                                          <a:latin typeface="Cambria Math" panose="02040503050406030204" pitchFamily="18" charset="0"/>
+                                        </a:rPr>
+                                      </m:ctrlPr>
+                                    </m:sSubPr>
+                                    <m:e>
+                                      <m:r>
+                                        <a:rPr lang="en-US" altLang="zh-CN" sz="2800" b="0" i="1" dirty="0" smtClean="0">
+                                          <a:latin typeface="Cambria Math" panose="02040503050406030204" pitchFamily="18" charset="0"/>
+                                        </a:rPr>
+                                        <m:t>𝑇</m:t>
+                                      </m:r>
+                                    </m:e>
+                                    <m:sub>
+                                      <m:r>
+                                        <a:rPr lang="en-US" altLang="zh-CN" sz="2800" b="0" i="1" dirty="0" smtClean="0">
+                                          <a:latin typeface="Cambria Math" panose="02040503050406030204" pitchFamily="18" charset="0"/>
+                                        </a:rPr>
+                                        <m:t>0</m:t>
+                                      </m:r>
+                                    </m:sub>
+                                  </m:sSub>
                                 </m:num>
                                 <m:den>
                                   <m:r>
@@ -8713,14 +8942,14 @@
                           <m:sSub>
                             <m:sSubPr>
                               <m:ctrlPr>
-                                <a:rPr lang="en-US" altLang="zh-CN" sz="2800" i="1" dirty="0">
+                                <a:rPr lang="en-US" altLang="zh-CN" sz="2800" b="0" i="1" dirty="0" smtClean="0">
                                   <a:latin typeface="Cambria Math" panose="02040503050406030204" pitchFamily="18" charset="0"/>
                                 </a:rPr>
                               </m:ctrlPr>
                             </m:sSubPr>
                             <m:e>
                               <m:r>
-                                <a:rPr lang="zh-CN" altLang="en-US" sz="2800" i="1" dirty="0">
+                                <a:rPr lang="zh-CN" altLang="en-US" sz="2800" b="0" i="1" dirty="0" smtClean="0">
                                   <a:latin typeface="Cambria Math" panose="02040503050406030204" pitchFamily="18" charset="0"/>
                                 </a:rPr>
                                 <m:t>𝜔</m:t>
@@ -8728,7 +8957,7 @@
                             </m:e>
                             <m:sub>
                               <m:r>
-                                <a:rPr lang="en-US" altLang="zh-CN" sz="2800" i="1" dirty="0">
+                                <a:rPr lang="en-US" altLang="zh-CN" sz="2800" b="0" i="1" dirty="0" smtClean="0">
                                   <a:latin typeface="Cambria Math" panose="02040503050406030204" pitchFamily="18" charset="0"/>
                                 </a:rPr>
                                 <m:t>𝑓</m:t>
@@ -8744,7 +8973,7 @@
                             <m:t>𝜋</m:t>
                           </m:r>
                           <m:r>
-                            <a:rPr lang="zh-CN" altLang="en-US" sz="2800" b="0" i="1" dirty="0" smtClean="0">
+                            <a:rPr lang="zh-CN" altLang="en-US" sz="2800" i="1" dirty="0" smtClean="0">
                               <a:latin typeface="Cambria Math" panose="02040503050406030204" pitchFamily="18" charset="0"/>
                             </a:rPr>
                             <m:t>𝜔</m:t>
@@ -8973,7 +9202,7 @@
             <p:spPr>
               <a:xfrm>
                 <a:off x="255906" y="2451681"/>
-                <a:ext cx="11440568" cy="977319"/>
+                <a:ext cx="11892999" cy="977319"/>
               </a:xfrm>
               <a:prstGeom prst="rect">
                 <a:avLst/>
@@ -9132,10 +9361,10 @@
                           </m:sSubPr>
                           <m:e>
                             <m:r>
-                              <a:rPr lang="en-US" altLang="zh-CN" sz="2800" b="0" i="1" smtClean="0">
+                              <a:rPr lang="zh-CN" altLang="en-US" sz="2800" b="0" i="1" smtClean="0">
                                 <a:latin typeface="Cambria Math" panose="02040503050406030204" pitchFamily="18" charset="0"/>
                               </a:rPr>
-                              <m:t>𝑓</m:t>
+                              <m:t>𝜔</m:t>
                             </m:r>
                           </m:e>
                           <m:sub>
@@ -9143,7 +9372,7 @@
                               <a:rPr lang="en-US" altLang="zh-CN" sz="2800" b="0" i="1" smtClean="0">
                                 <a:latin typeface="Cambria Math" panose="02040503050406030204" pitchFamily="18" charset="0"/>
                               </a:rPr>
-                              <m:t>1</m:t>
+                              <m:t>𝑓</m:t>
                             </m:r>
                           </m:sub>
                         </m:sSub>
@@ -9156,10 +9385,10 @@
                           <m:t>𝜋</m:t>
                         </m:r>
                         <m:r>
-                          <a:rPr lang="en-US" altLang="zh-CN" sz="2800" b="0" i="1" smtClean="0">
+                          <a:rPr lang="zh-CN" altLang="en-US" sz="2800" b="0" i="1" smtClean="0">
                             <a:latin typeface="Cambria Math" panose="02040503050406030204" pitchFamily="18" charset="0"/>
                           </a:rPr>
-                          <m:t>𝑓</m:t>
+                          <m:t>𝜔</m:t>
                         </m:r>
                       </m:den>
                     </m:f>
@@ -10313,6 +10542,167 @@
 </p:sld>
 </file>
 
+<file path=ppt/slides/slide8.xml><?xml version="1.0" encoding="utf-8"?>
+<p:sld xmlns:a="http://schemas.openxmlformats.org/drawingml/2006/main" xmlns:r="http://schemas.openxmlformats.org/officeDocument/2006/relationships" xmlns:p="http://schemas.openxmlformats.org/presentationml/2006/main">
+  <p:cSld>
+    <p:spTree>
+      <p:nvGrpSpPr>
+        <p:cNvPr id="1" name=""/>
+        <p:cNvGrpSpPr/>
+        <p:nvPr/>
+      </p:nvGrpSpPr>
+      <p:grpSpPr>
+        <a:xfrm>
+          <a:off x="0" y="0"/>
+          <a:ext cx="0" cy="0"/>
+          <a:chOff x="0" y="0"/>
+          <a:chExt cx="0" cy="0"/>
+        </a:xfrm>
+      </p:grpSpPr>
+      <p:sp>
+        <p:nvSpPr>
+          <p:cNvPr id="2" name="标题 1">
+            <a:extLst>
+              <a:ext uri="{FF2B5EF4-FFF2-40B4-BE49-F238E27FC236}">
+                <a16:creationId xmlns:a16="http://schemas.microsoft.com/office/drawing/2014/main" id="{85593C49-6B1A-4A74-BD4B-C40D82DEEE54}"/>
+              </a:ext>
+            </a:extLst>
+          </p:cNvPr>
+          <p:cNvSpPr>
+            <a:spLocks noGrp="1"/>
+          </p:cNvSpPr>
+          <p:nvPr>
+            <p:ph type="title"/>
+          </p:nvPr>
+        </p:nvSpPr>
+        <p:spPr/>
+        <p:txBody>
+          <a:bodyPr>
+            <a:normAutofit/>
+          </a:bodyPr>
+          <a:lstStyle/>
+          <a:p>
+            <a:r>
+              <a:rPr lang="zh-CN" altLang="en-US" sz="4000" b="1" dirty="0">
+                <a:latin typeface="宋体" panose="02010600030101010101" pitchFamily="2" charset="-122"/>
+                <a:ea typeface="宋体" panose="02010600030101010101" pitchFamily="2" charset="-122"/>
+              </a:rPr>
+              <a:t>死区的时间计算</a:t>
+            </a:r>
+          </a:p>
+        </p:txBody>
+      </p:sp>
+      <p:sp>
+        <p:nvSpPr>
+          <p:cNvPr id="3" name="内容占位符 2">
+            <a:extLst>
+              <a:ext uri="{FF2B5EF4-FFF2-40B4-BE49-F238E27FC236}">
+                <a16:creationId xmlns:a16="http://schemas.microsoft.com/office/drawing/2014/main" id="{E3178692-9E8B-4671-B05E-783BF5ED878E}"/>
+              </a:ext>
+            </a:extLst>
+          </p:cNvPr>
+          <p:cNvSpPr>
+            <a:spLocks noGrp="1"/>
+          </p:cNvSpPr>
+          <p:nvPr>
+            <p:ph idx="1"/>
+          </p:nvPr>
+        </p:nvSpPr>
+        <p:spPr>
+          <a:xfrm>
+            <a:off x="2675553" y="2200437"/>
+            <a:ext cx="6840894" cy="2457126"/>
+          </a:xfrm>
+        </p:spPr>
+        <p:txBody>
+          <a:bodyPr/>
+          <a:lstStyle/>
+          <a:p>
+            <a:pPr marL="0" indent="0">
+              <a:buNone/>
+            </a:pPr>
+            <a:r>
+              <a:rPr lang="zh-CN" altLang="en-US" dirty="0"/>
+              <a:t>死区的时间是按照</a:t>
+            </a:r>
+            <a:r>
+              <a:rPr lang="en-US" altLang="zh-CN" dirty="0"/>
+              <a:t>HCLK</a:t>
+            </a:r>
+            <a:r>
+              <a:rPr lang="zh-CN" altLang="en-US" dirty="0"/>
+              <a:t>的时钟频率来的，</a:t>
+            </a:r>
+            <a:endParaRPr lang="en-US" altLang="zh-CN" dirty="0"/>
+          </a:p>
+          <a:p>
+            <a:pPr marL="0" indent="0">
+              <a:buNone/>
+            </a:pPr>
+            <a:r>
+              <a:rPr lang="zh-CN" altLang="en-US" dirty="0"/>
+              <a:t>假设</a:t>
+            </a:r>
+            <a:r>
+              <a:rPr lang="en-US" altLang="zh-CN" dirty="0" err="1"/>
+              <a:t>CubeMx</a:t>
+            </a:r>
+            <a:r>
+              <a:rPr lang="zh-CN" altLang="en-US" dirty="0"/>
+              <a:t>中</a:t>
+            </a:r>
+            <a:r>
+              <a:rPr lang="en-US" altLang="zh-CN" dirty="0"/>
+              <a:t>deadtime=100</a:t>
+            </a:r>
+            <a:r>
+              <a:rPr lang="zh-CN" altLang="en-US" dirty="0"/>
+              <a:t>，</a:t>
+            </a:r>
+            <a:endParaRPr lang="en-US" altLang="zh-CN" dirty="0"/>
+          </a:p>
+          <a:p>
+            <a:pPr marL="0" indent="0">
+              <a:buNone/>
+            </a:pPr>
+            <a:r>
+              <a:rPr lang="en-US" altLang="zh-CN" dirty="0"/>
+              <a:t>HCLK=72MHz</a:t>
+            </a:r>
+            <a:r>
+              <a:rPr lang="zh-CN" altLang="en-US" dirty="0"/>
+              <a:t>，</a:t>
+            </a:r>
+            <a:endParaRPr lang="en-US" altLang="zh-CN" dirty="0"/>
+          </a:p>
+          <a:p>
+            <a:pPr marL="0" indent="0">
+              <a:buNone/>
+            </a:pPr>
+            <a:r>
+              <a:rPr lang="zh-CN" altLang="en-US" dirty="0"/>
+              <a:t>那么实际死区时间</a:t>
+            </a:r>
+            <a:r>
+              <a:rPr lang="en-US" altLang="zh-CN" dirty="0"/>
+              <a:t>=100/72MHz=1.4us</a:t>
+            </a:r>
+          </a:p>
+        </p:txBody>
+      </p:sp>
+    </p:spTree>
+    <p:extLst>
+      <p:ext uri="{BB962C8B-B14F-4D97-AF65-F5344CB8AC3E}">
+        <p14:creationId xmlns:p14="http://schemas.microsoft.com/office/powerpoint/2010/main" val="2957235714"/>
+      </p:ext>
+    </p:extLst>
+  </p:cSld>
+  <p:clrMapOvr>
+    <a:masterClrMapping/>
+  </p:clrMapOvr>
+</p:sld>
+</file>
+
 <file path=ppt/theme/theme1.xml><?xml version="1.0" encoding="utf-8"?>
 <a:theme xmlns:a="http://schemas.openxmlformats.org/drawingml/2006/main" name="Office 主题​​">
   <a:themeElements>

--- a/F03_single_pole/STM32实战——spwm开环单极性调制.pptx
+++ b/F03_single_pole/STM32实战——spwm开环单极性调制.pptx
@@ -6517,8 +6517,8 @@
           </p:sp>
         </mc:Fallback>
       </mc:AlternateContent>
-      <mc:AlternateContent xmlns:mc="http://schemas.openxmlformats.org/markup-compatibility/2006">
-        <mc:Choice xmlns:a14="http://schemas.microsoft.com/office/drawing/2010/main" Requires="a14">
+      <mc:AlternateContent xmlns:mc="http://schemas.openxmlformats.org/markup-compatibility/2006" xmlns:a14="http://schemas.microsoft.com/office/drawing/2010/main">
+        <mc:Choice Requires="a14">
           <p:sp>
             <p:nvSpPr>
               <p:cNvPr id="7" name="矩形 6">
@@ -7004,7 +7004,7 @@
             </p:txBody>
           </p:sp>
         </mc:Choice>
-        <mc:Fallback>
+        <mc:Fallback xmlns="">
           <p:sp>
             <p:nvSpPr>
               <p:cNvPr id="7" name="矩形 6">
@@ -7336,7 +7336,7 @@
             <p:spPr>
               <a:xfrm>
                 <a:off x="947705" y="5013050"/>
-                <a:ext cx="9348970" cy="1106521"/>
+                <a:ext cx="9939901" cy="1106521"/>
               </a:xfrm>
               <a:prstGeom prst="rect">
                 <a:avLst/>
@@ -7645,12 +7645,31 @@
                                 </a:rPr>
                                 <m:t>𝜔</m:t>
                               </m:r>
-                              <m:r>
-                                <a:rPr lang="en-US" altLang="zh-CN" sz="3200" i="1" dirty="0">
-                                  <a:latin typeface="Cambria Math" panose="02040503050406030204" pitchFamily="18" charset="0"/>
-                                </a:rPr>
-                                <m:t>𝑇</m:t>
-                              </m:r>
+                              <m:sSub>
+                                <m:sSubPr>
+                                  <m:ctrlPr>
+                                    <a:rPr lang="en-US" altLang="zh-CN" sz="3200" i="1" dirty="0" smtClean="0">
+                                      <a:latin typeface="Cambria Math" panose="02040503050406030204" pitchFamily="18" charset="0"/>
+                                    </a:rPr>
+                                  </m:ctrlPr>
+                                </m:sSubPr>
+                                <m:e>
+                                  <m:r>
+                                    <a:rPr lang="en-US" altLang="zh-CN" sz="3200" b="0" i="1" dirty="0" smtClean="0">
+                                      <a:latin typeface="Cambria Math" panose="02040503050406030204" pitchFamily="18" charset="0"/>
+                                    </a:rPr>
+                                    <m:t>𝑇</m:t>
+                                  </m:r>
+                                </m:e>
+                                <m:sub>
+                                  <m:r>
+                                    <a:rPr lang="en-US" altLang="zh-CN" sz="3200" b="0" i="1" dirty="0" smtClean="0">
+                                      <a:latin typeface="Cambria Math" panose="02040503050406030204" pitchFamily="18" charset="0"/>
+                                    </a:rPr>
+                                    <m:t>0</m:t>
+                                  </m:r>
+                                </m:sub>
+                              </m:sSub>
                             </m:e>
                           </m:d>
                         </m:e>
@@ -7714,12 +7733,31 @@
                             </a:rPr>
                             <m:t>𝜔</m:t>
                           </m:r>
-                          <m:r>
-                            <a:rPr lang="en-US" altLang="zh-CN" sz="3200" i="1" dirty="0">
-                              <a:latin typeface="Cambria Math" panose="02040503050406030204" pitchFamily="18" charset="0"/>
-                            </a:rPr>
-                            <m:t>𝑇</m:t>
-                          </m:r>
+                          <m:sSub>
+                            <m:sSubPr>
+                              <m:ctrlPr>
+                                <a:rPr lang="en-US" altLang="zh-CN" sz="3200" i="1" dirty="0" smtClean="0">
+                                  <a:latin typeface="Cambria Math" panose="02040503050406030204" pitchFamily="18" charset="0"/>
+                                </a:rPr>
+                              </m:ctrlPr>
+                            </m:sSubPr>
+                            <m:e>
+                              <m:r>
+                                <a:rPr lang="en-US" altLang="zh-CN" sz="3200" b="0" i="1" dirty="0" smtClean="0">
+                                  <a:latin typeface="Cambria Math" panose="02040503050406030204" pitchFamily="18" charset="0"/>
+                                </a:rPr>
+                                <m:t>𝑇</m:t>
+                              </m:r>
+                            </m:e>
+                            <m:sub>
+                              <m:r>
+                                <a:rPr lang="en-US" altLang="zh-CN" sz="3200" b="0" i="1" dirty="0" smtClean="0">
+                                  <a:latin typeface="Cambria Math" panose="02040503050406030204" pitchFamily="18" charset="0"/>
+                                </a:rPr>
+                                <m:t>0</m:t>
+                              </m:r>
+                            </m:sub>
+                          </m:sSub>
                         </m:num>
                         <m:den>
                           <m:r>
@@ -7762,7 +7800,7 @@
             <p:spPr>
               <a:xfrm>
                 <a:off x="947705" y="5013050"/>
-                <a:ext cx="9348970" cy="1106521"/>
+                <a:ext cx="9939901" cy="1106521"/>
               </a:xfrm>
               <a:prstGeom prst="rect">
                 <a:avLst/>
@@ -8609,8 +8647,8 @@
           </p:sp>
         </mc:Fallback>
       </mc:AlternateContent>
-      <mc:AlternateContent xmlns:mc="http://schemas.openxmlformats.org/markup-compatibility/2006">
-        <mc:Choice xmlns:a14="http://schemas.microsoft.com/office/drawing/2010/main" Requires="a14">
+      <mc:AlternateContent xmlns:mc="http://schemas.openxmlformats.org/markup-compatibility/2006" xmlns:a14="http://schemas.microsoft.com/office/drawing/2010/main">
+        <mc:Choice Requires="a14">
           <p:sp>
             <p:nvSpPr>
               <p:cNvPr id="6" name="文本框 5">
@@ -8970,13 +9008,7 @@
                             <a:rPr lang="zh-CN" altLang="en-US" sz="2800" i="1" dirty="0" smtClean="0">
                               <a:latin typeface="Cambria Math" panose="02040503050406030204" pitchFamily="18" charset="0"/>
                             </a:rPr>
-                            <m:t>𝜋</m:t>
-                          </m:r>
-                          <m:r>
-                            <a:rPr lang="zh-CN" altLang="en-US" sz="2800" i="1" dirty="0" smtClean="0">
-                              <a:latin typeface="Cambria Math" panose="02040503050406030204" pitchFamily="18" charset="0"/>
-                            </a:rPr>
-                            <m:t>𝜔</m:t>
+                            <m:t>𝜋𝜔</m:t>
                           </m:r>
                         </m:den>
                       </m:f>
@@ -9184,7 +9216,7 @@
             </p:txBody>
           </p:sp>
         </mc:Choice>
-        <mc:Fallback>
+        <mc:Fallback xmlns="">
           <p:sp>
             <p:nvSpPr>
               <p:cNvPr id="6" name="文本框 5">
@@ -9280,8 +9312,8 @@
           </a:p>
         </p:txBody>
       </p:sp>
-      <mc:AlternateContent xmlns:mc="http://schemas.openxmlformats.org/markup-compatibility/2006">
-        <mc:Choice xmlns:a14="http://schemas.microsoft.com/office/drawing/2010/main" Requires="a14">
+      <mc:AlternateContent xmlns:mc="http://schemas.openxmlformats.org/markup-compatibility/2006" xmlns:a14="http://schemas.microsoft.com/office/drawing/2010/main">
+        <mc:Choice Requires="a14">
           <p:sp>
             <p:nvSpPr>
               <p:cNvPr id="8" name="文本框 7">
@@ -9382,13 +9414,7 @@
                           <a:rPr lang="zh-CN" altLang="en-US" sz="2800" b="0" i="1" smtClean="0">
                             <a:latin typeface="Cambria Math" panose="02040503050406030204" pitchFamily="18" charset="0"/>
                           </a:rPr>
-                          <m:t>𝜋</m:t>
-                        </m:r>
-                        <m:r>
-                          <a:rPr lang="zh-CN" altLang="en-US" sz="2800" b="0" i="1" smtClean="0">
-                            <a:latin typeface="Cambria Math" panose="02040503050406030204" pitchFamily="18" charset="0"/>
-                          </a:rPr>
-                          <m:t>𝜔</m:t>
+                          <m:t>𝜋𝜔</m:t>
                         </m:r>
                       </m:den>
                     </m:f>
@@ -9582,7 +9608,7 @@
             </p:txBody>
           </p:sp>
         </mc:Choice>
-        <mc:Fallback>
+        <mc:Fallback xmlns="">
           <p:sp>
             <p:nvSpPr>
               <p:cNvPr id="8" name="文本框 7">
